--- a/mentoring/SDLC.pptx
+++ b/mentoring/SDLC.pptx
@@ -124,6 +124,22 @@
       </a:defRPr>
     </a:lvl9pPr>
   </p:defaultTextStyle>
+  <p:extLst>
+    <p:ext uri="{EFAFB233-063F-42B5-8137-9DF3F51BA10A}">
+      <p15:sldGuideLst xmlns:p15="http://schemas.microsoft.com/office/powerpoint/2012/main">
+        <p15:guide id="1" orient="horz" pos="2160">
+          <p15:clr>
+            <a:srgbClr val="A4A3A4"/>
+          </p15:clr>
+        </p15:guide>
+        <p15:guide id="2" pos="2880">
+          <p15:clr>
+            <a:srgbClr val="A4A3A4"/>
+          </p15:clr>
+        </p15:guide>
+      </p15:sldGuideLst>
+    </p:ext>
+  </p:extLst>
 </p:presentation>
 </file>
 
@@ -308,7 +324,7 @@
           <a:p>
             <a:fld id="{40A2F8EF-BAB6-4B4D-83ED-627E7F340C73}" type="datetimeFigureOut">
               <a:rPr lang="uk-UA" smtClean="0"/>
-              <a:t>18.02.2018</a:t>
+              <a:t>19.02.2018</a:t>
             </a:fld>
             <a:endParaRPr lang="uk-UA"/>
           </a:p>
@@ -350,7 +366,7 @@
           <a:p>
             <a:fld id="{6E11AC70-3EF9-4129-AB78-56DCAD9981EC}" type="slidenum">
               <a:rPr lang="uk-UA" smtClean="0"/>
-              <a:t>‹№›</a:t>
+              <a:t>‹#›</a:t>
             </a:fld>
             <a:endParaRPr lang="uk-UA"/>
           </a:p>
@@ -478,7 +494,7 @@
           <a:p>
             <a:fld id="{40A2F8EF-BAB6-4B4D-83ED-627E7F340C73}" type="datetimeFigureOut">
               <a:rPr lang="uk-UA" smtClean="0"/>
-              <a:t>18.02.2018</a:t>
+              <a:t>19.02.2018</a:t>
             </a:fld>
             <a:endParaRPr lang="uk-UA"/>
           </a:p>
@@ -520,7 +536,7 @@
           <a:p>
             <a:fld id="{6E11AC70-3EF9-4129-AB78-56DCAD9981EC}" type="slidenum">
               <a:rPr lang="uk-UA" smtClean="0"/>
-              <a:t>‹№›</a:t>
+              <a:t>‹#›</a:t>
             </a:fld>
             <a:endParaRPr lang="uk-UA"/>
           </a:p>
@@ -658,7 +674,7 @@
           <a:p>
             <a:fld id="{40A2F8EF-BAB6-4B4D-83ED-627E7F340C73}" type="datetimeFigureOut">
               <a:rPr lang="uk-UA" smtClean="0"/>
-              <a:t>18.02.2018</a:t>
+              <a:t>19.02.2018</a:t>
             </a:fld>
             <a:endParaRPr lang="uk-UA"/>
           </a:p>
@@ -700,7 +716,7 @@
           <a:p>
             <a:fld id="{6E11AC70-3EF9-4129-AB78-56DCAD9981EC}" type="slidenum">
               <a:rPr lang="uk-UA" smtClean="0"/>
-              <a:t>‹№›</a:t>
+              <a:t>‹#›</a:t>
             </a:fld>
             <a:endParaRPr lang="uk-UA"/>
           </a:p>
@@ -828,7 +844,7 @@
           <a:p>
             <a:fld id="{40A2F8EF-BAB6-4B4D-83ED-627E7F340C73}" type="datetimeFigureOut">
               <a:rPr lang="uk-UA" smtClean="0"/>
-              <a:t>18.02.2018</a:t>
+              <a:t>19.02.2018</a:t>
             </a:fld>
             <a:endParaRPr lang="uk-UA"/>
           </a:p>
@@ -870,7 +886,7 @@
           <a:p>
             <a:fld id="{6E11AC70-3EF9-4129-AB78-56DCAD9981EC}" type="slidenum">
               <a:rPr lang="uk-UA" smtClean="0"/>
-              <a:t>‹№›</a:t>
+              <a:t>‹#›</a:t>
             </a:fld>
             <a:endParaRPr lang="uk-UA"/>
           </a:p>
@@ -1074,7 +1090,7 @@
           <a:p>
             <a:fld id="{40A2F8EF-BAB6-4B4D-83ED-627E7F340C73}" type="datetimeFigureOut">
               <a:rPr lang="uk-UA" smtClean="0"/>
-              <a:t>18.02.2018</a:t>
+              <a:t>19.02.2018</a:t>
             </a:fld>
             <a:endParaRPr lang="uk-UA"/>
           </a:p>
@@ -1116,7 +1132,7 @@
           <a:p>
             <a:fld id="{6E11AC70-3EF9-4129-AB78-56DCAD9981EC}" type="slidenum">
               <a:rPr lang="uk-UA" smtClean="0"/>
-              <a:t>‹№›</a:t>
+              <a:t>‹#›</a:t>
             </a:fld>
             <a:endParaRPr lang="uk-UA"/>
           </a:p>
@@ -1362,7 +1378,7 @@
           <a:p>
             <a:fld id="{40A2F8EF-BAB6-4B4D-83ED-627E7F340C73}" type="datetimeFigureOut">
               <a:rPr lang="uk-UA" smtClean="0"/>
-              <a:t>18.02.2018</a:t>
+              <a:t>19.02.2018</a:t>
             </a:fld>
             <a:endParaRPr lang="uk-UA"/>
           </a:p>
@@ -1404,7 +1420,7 @@
           <a:p>
             <a:fld id="{6E11AC70-3EF9-4129-AB78-56DCAD9981EC}" type="slidenum">
               <a:rPr lang="uk-UA" smtClean="0"/>
-              <a:t>‹№›</a:t>
+              <a:t>‹#›</a:t>
             </a:fld>
             <a:endParaRPr lang="uk-UA"/>
           </a:p>
@@ -1784,7 +1800,7 @@
           <a:p>
             <a:fld id="{40A2F8EF-BAB6-4B4D-83ED-627E7F340C73}" type="datetimeFigureOut">
               <a:rPr lang="uk-UA" smtClean="0"/>
-              <a:t>18.02.2018</a:t>
+              <a:t>19.02.2018</a:t>
             </a:fld>
             <a:endParaRPr lang="uk-UA"/>
           </a:p>
@@ -1826,7 +1842,7 @@
           <a:p>
             <a:fld id="{6E11AC70-3EF9-4129-AB78-56DCAD9981EC}" type="slidenum">
               <a:rPr lang="uk-UA" smtClean="0"/>
-              <a:t>‹№›</a:t>
+              <a:t>‹#›</a:t>
             </a:fld>
             <a:endParaRPr lang="uk-UA"/>
           </a:p>
@@ -1902,7 +1918,7 @@
           <a:p>
             <a:fld id="{40A2F8EF-BAB6-4B4D-83ED-627E7F340C73}" type="datetimeFigureOut">
               <a:rPr lang="uk-UA" smtClean="0"/>
-              <a:t>18.02.2018</a:t>
+              <a:t>19.02.2018</a:t>
             </a:fld>
             <a:endParaRPr lang="uk-UA"/>
           </a:p>
@@ -1944,7 +1960,7 @@
           <a:p>
             <a:fld id="{6E11AC70-3EF9-4129-AB78-56DCAD9981EC}" type="slidenum">
               <a:rPr lang="uk-UA" smtClean="0"/>
-              <a:t>‹№›</a:t>
+              <a:t>‹#›</a:t>
             </a:fld>
             <a:endParaRPr lang="uk-UA"/>
           </a:p>
@@ -1997,7 +2013,7 @@
           <a:p>
             <a:fld id="{40A2F8EF-BAB6-4B4D-83ED-627E7F340C73}" type="datetimeFigureOut">
               <a:rPr lang="uk-UA" smtClean="0"/>
-              <a:t>18.02.2018</a:t>
+              <a:t>19.02.2018</a:t>
             </a:fld>
             <a:endParaRPr lang="uk-UA"/>
           </a:p>
@@ -2039,7 +2055,7 @@
           <a:p>
             <a:fld id="{6E11AC70-3EF9-4129-AB78-56DCAD9981EC}" type="slidenum">
               <a:rPr lang="uk-UA" smtClean="0"/>
-              <a:t>‹№›</a:t>
+              <a:t>‹#›</a:t>
             </a:fld>
             <a:endParaRPr lang="uk-UA"/>
           </a:p>
@@ -2274,7 +2290,7 @@
           <a:p>
             <a:fld id="{40A2F8EF-BAB6-4B4D-83ED-627E7F340C73}" type="datetimeFigureOut">
               <a:rPr lang="uk-UA" smtClean="0"/>
-              <a:t>18.02.2018</a:t>
+              <a:t>19.02.2018</a:t>
             </a:fld>
             <a:endParaRPr lang="uk-UA"/>
           </a:p>
@@ -2316,7 +2332,7 @@
           <a:p>
             <a:fld id="{6E11AC70-3EF9-4129-AB78-56DCAD9981EC}" type="slidenum">
               <a:rPr lang="uk-UA" smtClean="0"/>
-              <a:t>‹№›</a:t>
+              <a:t>‹#›</a:t>
             </a:fld>
             <a:endParaRPr lang="uk-UA"/>
           </a:p>
@@ -2527,7 +2543,7 @@
           <a:p>
             <a:fld id="{40A2F8EF-BAB6-4B4D-83ED-627E7F340C73}" type="datetimeFigureOut">
               <a:rPr lang="uk-UA" smtClean="0"/>
-              <a:t>18.02.2018</a:t>
+              <a:t>19.02.2018</a:t>
             </a:fld>
             <a:endParaRPr lang="uk-UA"/>
           </a:p>
@@ -2569,7 +2585,7 @@
           <a:p>
             <a:fld id="{6E11AC70-3EF9-4129-AB78-56DCAD9981EC}" type="slidenum">
               <a:rPr lang="uk-UA" smtClean="0"/>
-              <a:t>‹№›</a:t>
+              <a:t>‹#›</a:t>
             </a:fld>
             <a:endParaRPr lang="uk-UA"/>
           </a:p>
@@ -2740,7 +2756,7 @@
           <a:p>
             <a:fld id="{40A2F8EF-BAB6-4B4D-83ED-627E7F340C73}" type="datetimeFigureOut">
               <a:rPr lang="uk-UA" smtClean="0"/>
-              <a:t>18.02.2018</a:t>
+              <a:t>19.02.2018</a:t>
             </a:fld>
             <a:endParaRPr lang="uk-UA"/>
           </a:p>
@@ -2818,7 +2834,7 @@
           <a:p>
             <a:fld id="{6E11AC70-3EF9-4129-AB78-56DCAD9981EC}" type="slidenum">
               <a:rPr lang="uk-UA" smtClean="0"/>
-              <a:t>‹№›</a:t>
+              <a:t>‹#›</a:t>
             </a:fld>
             <a:endParaRPr lang="uk-UA"/>
           </a:p>
@@ -3620,11 +3636,7 @@
             </a:r>
             <a:r>
               <a:rPr lang="en-US" sz="2600"/>
-              <a:t>model believes that every project needs to be handled differently and the existing methods need to be tailored to best suit the project requirements. In Agile, the tasks are divided to time boxes (small time frames) to deliver specific features for a </a:t>
-            </a:r>
-            <a:r>
-              <a:rPr lang="en-US" sz="2600"/>
-              <a:t>release</a:t>
+              <a:t>model believes that every project needs to be handled differently and the existing methods need to be tailored to best suit the project requirements. In Agile, the tasks are divided to time boxes (small time frames) to deliver specific features for a release</a:t>
             </a:r>
             <a:r>
               <a:rPr lang="en-US" sz="2600" smtClean="0"/>
@@ -3639,7 +3651,6 @@
               <a:rPr lang="en-US" sz="2000"/>
               <a:t>	</a:t>
             </a:r>
-            <a:endParaRPr lang="en-US" sz="2000"/>
           </a:p>
           <a:p>
             <a:pPr marL="0" indent="0">
@@ -3813,11 +3824,7 @@
             </a:r>
             <a:r>
               <a:rPr lang="en-US" i="1"/>
-              <a:t> over following </a:t>
-            </a:r>
-            <a:r>
-              <a:rPr lang="en-US" i="1"/>
-              <a:t>a </a:t>
+              <a:t> over following a </a:t>
             </a:r>
             <a:r>
               <a:rPr lang="en-US" i="1" smtClean="0"/>
@@ -3895,15 +3902,7 @@
                   <a:schemeClr val="accent1"/>
                 </a:solidFill>
               </a:rPr>
-              <a:t>Agile software </a:t>
-            </a:r>
-            <a:r>
-              <a:rPr lang="en-US" b="1">
-                <a:solidFill>
-                  <a:schemeClr val="accent1"/>
-                </a:solidFill>
-              </a:rPr>
-              <a:t>development </a:t>
+              <a:t>Agile software development </a:t>
             </a:r>
             <a:r>
               <a:rPr lang="en-US" b="1" smtClean="0">
@@ -3929,11 +3928,7 @@
             </a:r>
             <a:r>
               <a:rPr lang="en-US"/>
-              <a:t>is divided into short </a:t>
-            </a:r>
-            <a:r>
-              <a:rPr lang="en-US"/>
-              <a:t>cycles </a:t>
+              <a:t>is divided into short cycles </a:t>
             </a:r>
             <a:r>
               <a:rPr lang="en-US" smtClean="0"/>
@@ -3955,11 +3950,7 @@
             </a:r>
             <a:r>
               <a:rPr lang="en-US"/>
-              <a:t>the end of </a:t>
-            </a:r>
-            <a:r>
-              <a:rPr lang="en-US"/>
-              <a:t>each </a:t>
+              <a:t>the end of each </a:t>
             </a:r>
             <a:r>
               <a:rPr lang="en-US" smtClean="0"/>
@@ -3967,11 +3958,7 @@
             </a:r>
             <a:r>
               <a:rPr lang="en-US"/>
-              <a:t>the customer </a:t>
-            </a:r>
-            <a:r>
-              <a:rPr lang="en-US"/>
-              <a:t>receives </a:t>
+              <a:t>the customer receives </a:t>
             </a:r>
             <a:r>
               <a:rPr lang="en-US" smtClean="0"/>
@@ -3979,11 +3966,7 @@
             </a:r>
             <a:r>
               <a:rPr lang="en-US"/>
-              <a:t>application (or part of it) that can be used in </a:t>
-            </a:r>
-            <a:r>
-              <a:rPr lang="en-US"/>
-              <a:t>business</a:t>
+              <a:t>application (or part of it) that can be used in business</a:t>
             </a:r>
             <a:r>
               <a:rPr lang="en-US" smtClean="0"/>
@@ -4001,11 +3984,7 @@
             </a:r>
             <a:r>
               <a:rPr lang="en-US"/>
-              <a:t>development team cooperates with </a:t>
-            </a:r>
-            <a:r>
-              <a:rPr lang="en-US"/>
-              <a:t>the </a:t>
+              <a:t>development team cooperates with the </a:t>
             </a:r>
             <a:r>
               <a:rPr lang="en-US" smtClean="0"/>
@@ -4100,11 +4079,7 @@
           <a:p>
             <a:r>
               <a:rPr lang="en-US" sz="2400"/>
-              <a:t>Promotes teamwork and </a:t>
-            </a:r>
-            <a:r>
-              <a:rPr lang="en-US" sz="2400"/>
-              <a:t>cross </a:t>
+              <a:t>Promotes teamwork and cross </a:t>
             </a:r>
             <a:r>
               <a:rPr lang="en-US" sz="2400" smtClean="0"/>
@@ -4114,11 +4089,7 @@
           <a:p>
             <a:r>
               <a:rPr lang="en-US" sz="2400"/>
-              <a:t>Functionality can be developed rapidly </a:t>
-            </a:r>
-            <a:r>
-              <a:rPr lang="en-US" sz="2400"/>
-              <a:t>and </a:t>
+              <a:t>Functionality can be developed rapidly and </a:t>
             </a:r>
             <a:r>
               <a:rPr lang="en-US" sz="2400" smtClean="0"/>
@@ -4128,11 +4099,7 @@
           <a:p>
             <a:r>
               <a:rPr lang="en-US" sz="2400"/>
-              <a:t>Resource requirements </a:t>
-            </a:r>
-            <a:r>
-              <a:rPr lang="en-US" sz="2400"/>
-              <a:t>are </a:t>
+              <a:t>Resource requirements are </a:t>
             </a:r>
             <a:r>
               <a:rPr lang="en-US" sz="2400" smtClean="0"/>
@@ -4142,11 +4109,7 @@
           <a:p>
             <a:r>
               <a:rPr lang="en-US" sz="2400"/>
-              <a:t>Suitable for fixed or </a:t>
-            </a:r>
-            <a:r>
-              <a:rPr lang="en-US" sz="2400"/>
-              <a:t>changing </a:t>
+              <a:t>Suitable for fixed or changing </a:t>
             </a:r>
             <a:r>
               <a:rPr lang="en-US" sz="2400" smtClean="0"/>
@@ -4156,11 +4119,7 @@
           <a:p>
             <a:r>
               <a:rPr lang="en-US" sz="2400"/>
-              <a:t>Delivers early partial </a:t>
-            </a:r>
-            <a:r>
-              <a:rPr lang="en-US" sz="2400"/>
-              <a:t>working </a:t>
+              <a:t>Delivers early partial working </a:t>
             </a:r>
             <a:r>
               <a:rPr lang="en-US" sz="2400" smtClean="0"/>
@@ -4170,11 +4129,7 @@
           <a:p>
             <a:r>
               <a:rPr lang="en-US" sz="2400"/>
-              <a:t>Minimal rules, documentation </a:t>
-            </a:r>
-            <a:r>
-              <a:rPr lang="en-US" sz="2400"/>
-              <a:t>easily </a:t>
+              <a:t>Minimal rules, documentation easily </a:t>
             </a:r>
             <a:r>
               <a:rPr lang="en-US" sz="2400" smtClean="0"/>
@@ -4184,11 +4139,7 @@
           <a:p>
             <a:r>
               <a:rPr lang="en-US" sz="2400"/>
-              <a:t>Easy </a:t>
-            </a:r>
-            <a:r>
-              <a:rPr lang="en-US" sz="2400"/>
-              <a:t>to </a:t>
+              <a:t>Easy to </a:t>
             </a:r>
             <a:r>
               <a:rPr lang="en-US" sz="2400" smtClean="0"/>
@@ -4200,7 +4151,6 @@
               <a:rPr lang="en-US" sz="2400"/>
               <a:t>Gives flexibility to developers</a:t>
             </a:r>
-            <a:endParaRPr lang="en-US" sz="2400"/>
           </a:p>
           <a:p>
             <a:pPr marL="0" indent="0">
@@ -4218,11 +4168,7 @@
           <a:p>
             <a:r>
               <a:rPr lang="en-US" sz="2200"/>
-              <a:t>Not suitable for handling </a:t>
-            </a:r>
-            <a:r>
-              <a:rPr lang="en-US" sz="2200"/>
-              <a:t>complex </a:t>
+              <a:t>Not suitable for handling complex </a:t>
             </a:r>
             <a:r>
               <a:rPr lang="en-US" sz="2200" smtClean="0"/>
@@ -4232,11 +4178,7 @@
           <a:p>
             <a:r>
               <a:rPr lang="en-US" sz="2200"/>
-              <a:t>Depends heavily on customer interaction, so if customer is not clear, team can be driven in the </a:t>
-            </a:r>
-            <a:r>
-              <a:rPr lang="en-US" sz="2200"/>
-              <a:t>wrong </a:t>
+              <a:t>Depends heavily on customer interaction, so if customer is not clear, team can be driven in the wrong </a:t>
             </a:r>
             <a:r>
               <a:rPr lang="en-US" sz="2200" smtClean="0"/>
@@ -4421,11 +4363,7 @@
             </a:r>
             <a:r>
               <a:rPr lang="en-US" sz="2400"/>
-              <a:t> model is a sequential development approach, in which development is seen as flowing steadily downwards (like a waterfall) through </a:t>
-            </a:r>
-            <a:r>
-              <a:rPr lang="en-US" sz="2400"/>
-              <a:t>several </a:t>
+              <a:t> model is a sequential development approach, in which development is seen as flowing steadily downwards (like a waterfall) through several </a:t>
             </a:r>
             <a:r>
               <a:rPr lang="en-US" sz="2400" smtClean="0"/>
@@ -4504,7 +4442,6 @@
               <a:rPr lang="en-US" sz="2400"/>
               <a:t>from one phase to another is possible only after the successful completion of the previous stage</a:t>
             </a:r>
-            <a:endParaRPr lang="en-US" sz="2400"/>
           </a:p>
           <a:p>
             <a:pPr marL="0" indent="0">
@@ -4635,11 +4572,7 @@
           <a:p>
             <a:r>
               <a:rPr lang="en-US" sz="2000"/>
-              <a:t>Nonadaptive </a:t>
-            </a:r>
-            <a:r>
-              <a:rPr lang="en-US" sz="2000"/>
-              <a:t>Design </a:t>
+              <a:t>Nonadaptive Design </a:t>
             </a:r>
             <a:r>
               <a:rPr lang="en-US" sz="2000" smtClean="0"/>
@@ -4649,11 +4582,7 @@
           <a:p>
             <a:r>
               <a:rPr lang="en-US" sz="2000"/>
-              <a:t>Ignores Mid-Process </a:t>
-            </a:r>
-            <a:r>
-              <a:rPr lang="en-US" sz="2000"/>
-              <a:t>User/Client </a:t>
+              <a:t>Ignores Mid-Process User/Client </a:t>
             </a:r>
             <a:r>
               <a:rPr lang="en-US" sz="2000" smtClean="0"/>
@@ -4935,11 +4864,7 @@
             </a:pPr>
             <a:r>
               <a:rPr lang="en-US"/>
-              <a:t>The spiral model has four </a:t>
-            </a:r>
-            <a:r>
-              <a:rPr lang="en-US"/>
-              <a:t>phases</a:t>
+              <a:t>The spiral model has four phases</a:t>
             </a:r>
             <a:r>
               <a:rPr lang="en-US" smtClean="0"/>
@@ -5118,11 +5043,7 @@
           <a:p>
             <a:r>
               <a:rPr lang="en-US" sz="2600"/>
-              <a:t>Expensive model in </a:t>
-            </a:r>
-            <a:r>
-              <a:rPr lang="en-US" sz="2600"/>
-              <a:t>software </a:t>
+              <a:t>Expensive model in software </a:t>
             </a:r>
             <a:r>
               <a:rPr lang="en-US" sz="2600" smtClean="0"/>
@@ -5138,11 +5059,7 @@
           <a:p>
             <a:r>
               <a:rPr lang="en-US" sz="2600"/>
-              <a:t>Not appropriate for </a:t>
-            </a:r>
-            <a:r>
-              <a:rPr lang="en-US" sz="2600"/>
-              <a:t>low-risk </a:t>
+              <a:t>Not appropriate for low-risk </a:t>
             </a:r>
             <a:r>
               <a:rPr lang="en-US" sz="2600" smtClean="0"/>
@@ -5600,14 +5517,16 @@
           </a:xfrm>
         </p:spPr>
         <p:txBody>
-          <a:bodyPr/>
+          <a:bodyPr>
+            <a:normAutofit lnSpcReduction="10000"/>
+          </a:bodyPr>
           <a:lstStyle/>
           <a:p>
             <a:pPr marL="457200" lvl="1" indent="0" algn="ctr">
               <a:buNone/>
             </a:pPr>
             <a:r>
-              <a:rPr lang="en-US" sz="3600" b="1" smtClean="0">
+              <a:rPr lang="en-US" sz="3600" b="1" dirty="0" smtClean="0">
                 <a:solidFill>
                   <a:schemeClr val="accent1"/>
                 </a:solidFill>
@@ -5619,26 +5538,41 @@
             <a:pPr marL="457200" lvl="1" indent="0" algn="ctr">
               <a:buNone/>
             </a:pPr>
-            <a:endParaRPr lang="en-US" sz="2000" b="1" smtClean="0"/>
+            <a:endParaRPr lang="en-US" sz="2000" b="1" dirty="0" smtClean="0"/>
           </a:p>
           <a:p>
             <a:pPr lvl="1"/>
             <a:r>
+              <a:rPr lang="en-US" sz="2000" dirty="0" smtClean="0"/>
+              <a:t>This phase defines the system elements, components, security level, modules, architecture, interfaces, data types ...</a:t>
+            </a:r>
+          </a:p>
+          <a:p>
+            <a:pPr lvl="1"/>
+            <a:r>
+              <a:rPr lang="en-US" sz="2000" dirty="0"/>
+              <a:t>H</a:t>
+            </a:r>
+            <a:r>
+              <a:rPr lang="en-US" sz="2000" dirty="0" smtClean="0"/>
+              <a:t>ow the system will look and </a:t>
+            </a:r>
+            <a:r>
+              <a:rPr lang="en-US" sz="2000" dirty="0" smtClean="0"/>
+              <a:t>function</a:t>
+            </a:r>
+          </a:p>
+          <a:p>
+            <a:pPr lvl="1"/>
+            <a:r>
+              <a:rPr lang="en-US" sz="2000" dirty="0" smtClean="0"/>
+              <a:t>Create SDS (System </a:t>
+            </a:r>
+            <a:r>
               <a:rPr lang="en-US" sz="2000" smtClean="0"/>
-              <a:t>This phase defines the system elements, components, security level, modules, architecture, interfaces, data types ...</a:t>
-            </a:r>
-          </a:p>
-          <a:p>
-            <a:pPr lvl="1"/>
-            <a:r>
-              <a:rPr lang="en-US" sz="2000"/>
-              <a:t>H</a:t>
-            </a:r>
-            <a:r>
-              <a:rPr lang="en-US" sz="2000" smtClean="0"/>
-              <a:t>ow the system will look and function</a:t>
-            </a:r>
-            <a:endParaRPr lang="uk-UA" sz="2000" smtClean="0"/>
+              <a:t>Design Document)</a:t>
+            </a:r>
+            <a:endParaRPr lang="uk-UA" sz="2000" dirty="0" smtClean="0"/>
           </a:p>
         </p:txBody>
       </p:sp>
